--- a/docs/Network Anomaly Detection.pptx
+++ b/docs/Network Anomaly Detection.pptx
@@ -623,7 +623,7 @@
           <a:p>
             <a:fld id="{2C6F032D-BA9E-9346-BD51-8BCE30FB162D}" type="datetimeFigureOut">
               <a:rPr lang="en-US" smtClean="0"/>
-              <a:t>4/19/2017</a:t>
+              <a:t>5/4/17</a:t>
             </a:fld>
             <a:endParaRPr lang="en-US"/>
           </a:p>
@@ -914,7 +914,7 @@
           <a:p>
             <a:fld id="{2C6F032D-BA9E-9346-BD51-8BCE30FB162D}" type="datetimeFigureOut">
               <a:rPr lang="en-US" smtClean="0"/>
-              <a:t>4/19/2017</a:t>
+              <a:t>5/4/17</a:t>
             </a:fld>
             <a:endParaRPr lang="en-US"/>
           </a:p>
@@ -1157,7 +1157,7 @@
           <a:p>
             <a:fld id="{2C6F032D-BA9E-9346-BD51-8BCE30FB162D}" type="datetimeFigureOut">
               <a:rPr lang="en-US" smtClean="0"/>
-              <a:t>4/19/2017</a:t>
+              <a:t>5/4/17</a:t>
             </a:fld>
             <a:endParaRPr lang="en-US"/>
           </a:p>
@@ -1692,7 +1692,7 @@
           <a:p>
             <a:fld id="{2C6F032D-BA9E-9346-BD51-8BCE30FB162D}" type="datetimeFigureOut">
               <a:rPr lang="en-US" smtClean="0"/>
-              <a:t>4/19/2017</a:t>
+              <a:t>5/4/17</a:t>
             </a:fld>
             <a:endParaRPr lang="en-US"/>
           </a:p>
@@ -1935,7 +1935,7 @@
           <a:p>
             <a:fld id="{2C6F032D-BA9E-9346-BD51-8BCE30FB162D}" type="datetimeFigureOut">
               <a:rPr lang="en-US" smtClean="0"/>
-              <a:t>4/19/2017</a:t>
+              <a:t>5/4/17</a:t>
             </a:fld>
             <a:endParaRPr lang="en-US"/>
           </a:p>
@@ -2462,7 +2462,7 @@
           <a:p>
             <a:fld id="{2C6F032D-BA9E-9346-BD51-8BCE30FB162D}" type="datetimeFigureOut">
               <a:rPr lang="en-US" smtClean="0"/>
-              <a:t>4/19/2017</a:t>
+              <a:t>5/4/17</a:t>
             </a:fld>
             <a:endParaRPr lang="en-US"/>
           </a:p>
@@ -2754,7 +2754,7 @@
           <a:p>
             <a:fld id="{2C6F032D-BA9E-9346-BD51-8BCE30FB162D}" type="datetimeFigureOut">
               <a:rPr lang="en-US" smtClean="0"/>
-              <a:t>4/19/2017</a:t>
+              <a:t>5/4/17</a:t>
             </a:fld>
             <a:endParaRPr lang="en-US"/>
           </a:p>
@@ -2923,7 +2923,7 @@
           <a:p>
             <a:fld id="{2C6F032D-BA9E-9346-BD51-8BCE30FB162D}" type="datetimeFigureOut">
               <a:rPr lang="en-US" smtClean="0"/>
-              <a:t>4/19/2017</a:t>
+              <a:t>5/4/17</a:t>
             </a:fld>
             <a:endParaRPr lang="en-US"/>
           </a:p>
@@ -3098,7 +3098,7 @@
           <a:p>
             <a:fld id="{2C6F032D-BA9E-9346-BD51-8BCE30FB162D}" type="datetimeFigureOut">
               <a:rPr lang="en-US" smtClean="0"/>
-              <a:t>4/19/2017</a:t>
+              <a:t>5/4/17</a:t>
             </a:fld>
             <a:endParaRPr lang="en-US"/>
           </a:p>
@@ -3263,7 +3263,7 @@
           <a:p>
             <a:fld id="{2C6F032D-BA9E-9346-BD51-8BCE30FB162D}" type="datetimeFigureOut">
               <a:rPr lang="en-US" smtClean="0"/>
-              <a:t>4/19/2017</a:t>
+              <a:t>5/4/17</a:t>
             </a:fld>
             <a:endParaRPr lang="en-US"/>
           </a:p>
@@ -3509,7 +3509,7 @@
           <a:p>
             <a:fld id="{2C6F032D-BA9E-9346-BD51-8BCE30FB162D}" type="datetimeFigureOut">
               <a:rPr lang="en-US" smtClean="0"/>
-              <a:t>4/19/2017</a:t>
+              <a:t>5/4/17</a:t>
             </a:fld>
             <a:endParaRPr lang="en-US"/>
           </a:p>
@@ -3801,7 +3801,7 @@
           <a:p>
             <a:fld id="{2C6F032D-BA9E-9346-BD51-8BCE30FB162D}" type="datetimeFigureOut">
               <a:rPr lang="en-US" smtClean="0"/>
-              <a:t>4/19/2017</a:t>
+              <a:t>5/4/17</a:t>
             </a:fld>
             <a:endParaRPr lang="en-US"/>
           </a:p>
@@ -4238,7 +4238,7 @@
           <a:p>
             <a:fld id="{2C6F032D-BA9E-9346-BD51-8BCE30FB162D}" type="datetimeFigureOut">
               <a:rPr lang="en-US" smtClean="0"/>
-              <a:t>4/19/2017</a:t>
+              <a:t>5/4/17</a:t>
             </a:fld>
             <a:endParaRPr lang="en-US"/>
           </a:p>
@@ -4351,7 +4351,7 @@
           <a:p>
             <a:fld id="{2C6F032D-BA9E-9346-BD51-8BCE30FB162D}" type="datetimeFigureOut">
               <a:rPr lang="en-US" smtClean="0"/>
-              <a:t>4/19/2017</a:t>
+              <a:t>5/4/17</a:t>
             </a:fld>
             <a:endParaRPr lang="en-US"/>
           </a:p>
@@ -4441,7 +4441,7 @@
           <a:p>
             <a:fld id="{2C6F032D-BA9E-9346-BD51-8BCE30FB162D}" type="datetimeFigureOut">
               <a:rPr lang="en-US" smtClean="0"/>
-              <a:t>4/19/2017</a:t>
+              <a:t>5/4/17</a:t>
             </a:fld>
             <a:endParaRPr lang="en-US"/>
           </a:p>
@@ -4719,7 +4719,7 @@
           <a:p>
             <a:fld id="{2C6F032D-BA9E-9346-BD51-8BCE30FB162D}" type="datetimeFigureOut">
               <a:rPr lang="en-US" smtClean="0"/>
-              <a:t>4/19/2017</a:t>
+              <a:t>5/4/17</a:t>
             </a:fld>
             <a:endParaRPr lang="en-US"/>
           </a:p>
@@ -5005,7 +5005,7 @@
           <a:p>
             <a:fld id="{2C6F032D-BA9E-9346-BD51-8BCE30FB162D}" type="datetimeFigureOut">
               <a:rPr lang="en-US" smtClean="0"/>
-              <a:t>4/19/2017</a:t>
+              <a:t>5/4/17</a:t>
             </a:fld>
             <a:endParaRPr lang="en-US"/>
           </a:p>
@@ -5530,7 +5530,7 @@
           <a:p>
             <a:fld id="{2C6F032D-BA9E-9346-BD51-8BCE30FB162D}" type="datetimeFigureOut">
               <a:rPr lang="en-US" smtClean="0"/>
-              <a:t>4/19/2017</a:t>
+              <a:t>5/4/17</a:t>
             </a:fld>
             <a:endParaRPr lang="en-US"/>
           </a:p>
